--- a/스마트폰 게임 프로그래밍 중간 발표.pptx
+++ b/스마트폰 게임 프로그래밍 중간 발표.pptx
@@ -1890,12 +1890,37 @@
           </a:bodyPr>
           <a:lstStyle/>
           <a:p>
-            <a:pPr marL="342900" indent="-342900">
+            <a:pPr>
               <a:lnSpc>
                 <a:spcPct val="170000"/>
               </a:lnSpc>
-              <a:buAutoNum type="arabicPeriod"/>
             </a:pPr>
+            <a:r>
+              <a:rPr lang="en-US" altLang="ko-KR" sz="2000">
+                <a:solidFill>
+                  <a:schemeClr val="accent2">
+                    <a:lumMod val="75000"/>
+                  </a:schemeClr>
+                </a:solidFill>
+                <a:latin typeface="나눔스퀘어" panose="020B0600000101010101" pitchFamily="50" charset="-127"/>
+                <a:ea typeface="나눔스퀘어" panose="020B0600000101010101" pitchFamily="50" charset="-127"/>
+                <a:cs typeface="Lato Light" panose="020F0502020204030203" pitchFamily="34" charset="0"/>
+              </a:rPr>
+              <a:t>1.  </a:t>
+            </a:r>
+            <a:r>
+              <a:rPr lang="ko-KR" altLang="en-US" sz="2000">
+                <a:solidFill>
+                  <a:schemeClr val="accent2">
+                    <a:lumMod val="75000"/>
+                  </a:schemeClr>
+                </a:solidFill>
+                <a:latin typeface="나눔스퀘어" panose="020B0600000101010101" pitchFamily="50" charset="-127"/>
+                <a:ea typeface="나눔스퀘어" panose="020B0600000101010101" pitchFamily="50" charset="-127"/>
+                <a:cs typeface="Lato Light" panose="020F0502020204030203" pitchFamily="34" charset="0"/>
+              </a:rPr>
+              <a:t>어플 </a:t>
+            </a:r>
             <a:r>
               <a:rPr lang="ko-KR" altLang="en-US" sz="2000" dirty="0">
                 <a:solidFill>
@@ -1907,7 +1932,7 @@
                 <a:ea typeface="나눔스퀘어" panose="020B0600000101010101" pitchFamily="50" charset="-127"/>
                 <a:cs typeface="Lato Light" panose="020F0502020204030203" pitchFamily="34" charset="0"/>
               </a:rPr>
-              <a:t>어플 소개</a:t>
+              <a:t>소개</a:t>
             </a:r>
             <a:endParaRPr lang="en-US" altLang="ko-KR" sz="2000" dirty="0">
               <a:solidFill>
